--- a/Semana 2/PresentaciónA.pptx
+++ b/Semana 2/PresentaciónA.pptx
@@ -205,7 +205,7 @@
           <a:p>
             <a:fld id="{430AAACB-714D-4ED6-9BCD-E10DE1E326CF}" type="datetimeFigureOut">
               <a:rPr lang="es-CO" smtClean="0"/>
-              <a:t>26/01/20</a:t>
+              <a:t>28/01/2020</a:t>
             </a:fld>
             <a:endParaRPr lang="es-CO"/>
           </a:p>
@@ -364,7 +364,7 @@
           <a:p>
             <a:fld id="{B81D652A-642D-4AF5-99C3-EB7445F78768}" type="slidenum">
               <a:rPr lang="es-CO" smtClean="0"/>
-              <a:t>‹#›</a:t>
+              <a:t>‹Nº›</a:t>
             </a:fld>
             <a:endParaRPr lang="es-CO"/>
           </a:p>
@@ -808,7 +808,7 @@
           <a:p>
             <a:fld id="{C214C790-AC43-4046-BAB7-879940BCF0AB}" type="datetimeFigureOut">
               <a:rPr lang="es-CO" smtClean="0"/>
-              <a:t>26/01/20</a:t>
+              <a:t>28/01/2020</a:t>
             </a:fld>
             <a:endParaRPr lang="es-CO"/>
           </a:p>
@@ -850,7 +850,7 @@
           <a:p>
             <a:fld id="{566F944B-B6B4-43C3-BE7E-AF6D8C6774D1}" type="slidenum">
               <a:rPr lang="es-CO" smtClean="0"/>
-              <a:t>‹#›</a:t>
+              <a:t>‹Nº›</a:t>
             </a:fld>
             <a:endParaRPr lang="es-CO"/>
           </a:p>
@@ -1016,7 +1016,7 @@
           <a:p>
             <a:fld id="{C214C790-AC43-4046-BAB7-879940BCF0AB}" type="datetimeFigureOut">
               <a:rPr lang="es-CO" smtClean="0"/>
-              <a:t>26/01/20</a:t>
+              <a:t>28/01/2020</a:t>
             </a:fld>
             <a:endParaRPr lang="es-CO"/>
           </a:p>
@@ -1058,7 +1058,7 @@
           <a:p>
             <a:fld id="{566F944B-B6B4-43C3-BE7E-AF6D8C6774D1}" type="slidenum">
               <a:rPr lang="es-CO" smtClean="0"/>
-              <a:t>‹#›</a:t>
+              <a:t>‹Nº›</a:t>
             </a:fld>
             <a:endParaRPr lang="es-CO"/>
           </a:p>
@@ -1272,7 +1272,7 @@
           <a:p>
             <a:fld id="{C214C790-AC43-4046-BAB7-879940BCF0AB}" type="datetimeFigureOut">
               <a:rPr lang="es-CO" smtClean="0"/>
-              <a:t>26/01/20</a:t>
+              <a:t>28/01/2020</a:t>
             </a:fld>
             <a:endParaRPr lang="es-CO"/>
           </a:p>
@@ -1314,7 +1314,7 @@
           <a:p>
             <a:fld id="{566F944B-B6B4-43C3-BE7E-AF6D8C6774D1}" type="slidenum">
               <a:rPr lang="es-CO" smtClean="0"/>
-              <a:t>‹#›</a:t>
+              <a:t>‹Nº›</a:t>
             </a:fld>
             <a:endParaRPr lang="es-CO"/>
           </a:p>
@@ -1442,7 +1442,7 @@
           <a:p>
             <a:fld id="{C214C790-AC43-4046-BAB7-879940BCF0AB}" type="datetimeFigureOut">
               <a:rPr lang="es-CO" smtClean="0"/>
-              <a:t>26/01/20</a:t>
+              <a:t>28/01/2020</a:t>
             </a:fld>
             <a:endParaRPr lang="es-CO"/>
           </a:p>
@@ -1484,7 +1484,7 @@
           <a:p>
             <a:fld id="{566F944B-B6B4-43C3-BE7E-AF6D8C6774D1}" type="slidenum">
               <a:rPr lang="es-CO" smtClean="0"/>
-              <a:t>‹#›</a:t>
+              <a:t>‹Nº›</a:t>
             </a:fld>
             <a:endParaRPr lang="es-CO"/>
           </a:p>
@@ -1785,7 +1785,7 @@
           <a:p>
             <a:fld id="{C214C790-AC43-4046-BAB7-879940BCF0AB}" type="datetimeFigureOut">
               <a:rPr lang="es-CO" smtClean="0"/>
-              <a:t>26/01/20</a:t>
+              <a:t>28/01/2020</a:t>
             </a:fld>
             <a:endParaRPr lang="es-CO"/>
           </a:p>
@@ -1827,7 +1827,7 @@
           <a:p>
             <a:fld id="{566F944B-B6B4-43C3-BE7E-AF6D8C6774D1}" type="slidenum">
               <a:rPr lang="es-CO" smtClean="0"/>
-              <a:t>‹#›</a:t>
+              <a:t>‹Nº›</a:t>
             </a:fld>
             <a:endParaRPr lang="es-CO"/>
           </a:p>
@@ -2060,7 +2060,7 @@
           <a:p>
             <a:fld id="{C214C790-AC43-4046-BAB7-879940BCF0AB}" type="datetimeFigureOut">
               <a:rPr lang="es-CO" smtClean="0"/>
-              <a:t>26/01/20</a:t>
+              <a:t>28/01/2020</a:t>
             </a:fld>
             <a:endParaRPr lang="es-CO"/>
           </a:p>
@@ -2102,7 +2102,7 @@
           <a:p>
             <a:fld id="{566F944B-B6B4-43C3-BE7E-AF6D8C6774D1}" type="slidenum">
               <a:rPr lang="es-CO" smtClean="0"/>
-              <a:t>‹#›</a:t>
+              <a:t>‹Nº›</a:t>
             </a:fld>
             <a:endParaRPr lang="es-CO"/>
           </a:p>
@@ -2439,7 +2439,7 @@
           <a:p>
             <a:fld id="{C214C790-AC43-4046-BAB7-879940BCF0AB}" type="datetimeFigureOut">
               <a:rPr lang="es-CO" smtClean="0"/>
-              <a:t>26/01/20</a:t>
+              <a:t>28/01/2020</a:t>
             </a:fld>
             <a:endParaRPr lang="es-CO"/>
           </a:p>
@@ -2481,7 +2481,7 @@
           <a:p>
             <a:fld id="{566F944B-B6B4-43C3-BE7E-AF6D8C6774D1}" type="slidenum">
               <a:rPr lang="es-CO" smtClean="0"/>
-              <a:t>‹#›</a:t>
+              <a:t>‹Nº›</a:t>
             </a:fld>
             <a:endParaRPr lang="es-CO"/>
           </a:p>
@@ -2557,7 +2557,7 @@
           <a:p>
             <a:fld id="{C214C790-AC43-4046-BAB7-879940BCF0AB}" type="datetimeFigureOut">
               <a:rPr lang="es-CO" smtClean="0"/>
-              <a:t>26/01/20</a:t>
+              <a:t>28/01/2020</a:t>
             </a:fld>
             <a:endParaRPr lang="es-CO"/>
           </a:p>
@@ -2599,7 +2599,7 @@
           <a:p>
             <a:fld id="{566F944B-B6B4-43C3-BE7E-AF6D8C6774D1}" type="slidenum">
               <a:rPr lang="es-CO" smtClean="0"/>
-              <a:t>‹#›</a:t>
+              <a:t>‹Nº›</a:t>
             </a:fld>
             <a:endParaRPr lang="es-CO"/>
           </a:p>
@@ -2728,7 +2728,7 @@
           <a:p>
             <a:fld id="{C214C790-AC43-4046-BAB7-879940BCF0AB}" type="datetimeFigureOut">
               <a:rPr lang="es-CO" smtClean="0"/>
-              <a:t>26/01/20</a:t>
+              <a:t>28/01/2020</a:t>
             </a:fld>
             <a:endParaRPr lang="es-CO"/>
           </a:p>
@@ -2778,7 +2778,7 @@
           <a:p>
             <a:fld id="{566F944B-B6B4-43C3-BE7E-AF6D8C6774D1}" type="slidenum">
               <a:rPr lang="es-CO" smtClean="0"/>
-              <a:t>‹#›</a:t>
+              <a:t>‹Nº›</a:t>
             </a:fld>
             <a:endParaRPr lang="es-CO"/>
           </a:p>
@@ -3082,7 +3082,7 @@
           <a:p>
             <a:fld id="{C214C790-AC43-4046-BAB7-879940BCF0AB}" type="datetimeFigureOut">
               <a:rPr lang="es-CO" smtClean="0"/>
-              <a:t>26/01/20</a:t>
+              <a:t>28/01/2020</a:t>
             </a:fld>
             <a:endParaRPr lang="es-CO"/>
           </a:p>
@@ -3145,7 +3145,7 @@
           <a:p>
             <a:fld id="{566F944B-B6B4-43C3-BE7E-AF6D8C6774D1}" type="slidenum">
               <a:rPr lang="es-CO" smtClean="0"/>
-              <a:t>‹#›</a:t>
+              <a:t>‹Nº›</a:t>
             </a:fld>
             <a:endParaRPr lang="es-CO"/>
           </a:p>
@@ -3459,7 +3459,7 @@
           <a:p>
             <a:fld id="{C214C790-AC43-4046-BAB7-879940BCF0AB}" type="datetimeFigureOut">
               <a:rPr lang="es-CO" smtClean="0"/>
-              <a:t>26/01/20</a:t>
+              <a:t>28/01/2020</a:t>
             </a:fld>
             <a:endParaRPr lang="es-CO"/>
           </a:p>
@@ -3501,7 +3501,7 @@
           <a:p>
             <a:fld id="{566F944B-B6B4-43C3-BE7E-AF6D8C6774D1}" type="slidenum">
               <a:rPr lang="es-CO" smtClean="0"/>
-              <a:t>‹#›</a:t>
+              <a:t>‹Nº›</a:t>
             </a:fld>
             <a:endParaRPr lang="es-CO"/>
           </a:p>
@@ -3746,7 +3746,7 @@
           <a:p>
             <a:fld id="{C214C790-AC43-4046-BAB7-879940BCF0AB}" type="datetimeFigureOut">
               <a:rPr lang="es-CO" smtClean="0"/>
-              <a:t>26/01/20</a:t>
+              <a:t>28/01/2020</a:t>
             </a:fld>
             <a:endParaRPr lang="es-CO"/>
           </a:p>
@@ -3820,7 +3820,7 @@
           <a:p>
             <a:fld id="{566F944B-B6B4-43C3-BE7E-AF6D8C6774D1}" type="slidenum">
               <a:rPr lang="es-CO" smtClean="0"/>
-              <a:t>‹#›</a:t>
+              <a:t>‹Nº›</a:t>
             </a:fld>
             <a:endParaRPr lang="es-CO"/>
           </a:p>
@@ -4309,9 +4309,14 @@
           <a:lstStyle/>
           <a:p>
             <a:r>
-              <a:rPr lang="es-ES" dirty="0"/>
-              <a:t>PATRON SINGLETON</a:t>
-            </a:r>
+              <a:rPr lang="es-ES"/>
+              <a:t>PATRON </a:t>
+            </a:r>
+            <a:r>
+              <a:rPr lang="es-ES" smtClean="0"/>
+              <a:t>OBSERVER</a:t>
+            </a:r>
+            <a:endParaRPr lang="es-ES" dirty="0"/>
           </a:p>
           <a:p>
             <a:r>
@@ -4331,6 +4336,13 @@
   <p:clrMapOvr>
     <a:masterClrMapping/>
   </p:clrMapOvr>
+  <p:timing>
+    <p:tnLst>
+      <p:par>
+        <p:cTn id="1" dur="indefinite" restart="never" nodeType="tmRoot"/>
+      </p:par>
+    </p:tnLst>
+  </p:timing>
 </p:sld>
 </file>
 
@@ -4793,6 +4805,13 @@
   <p:clrMapOvr>
     <a:masterClrMapping/>
   </p:clrMapOvr>
+  <p:timing>
+    <p:tnLst>
+      <p:par>
+        <p:cTn id="1" dur="indefinite" restart="never" nodeType="tmRoot"/>
+      </p:par>
+    </p:tnLst>
+  </p:timing>
 </p:sld>
 </file>
 
